--- a/Отчет ПМ 01.pptx
+++ b/Отчет ПМ 01.pptx
@@ -18,8 +18,9 @@
     <p:sldId id="266" r:id="rId12"/>
     <p:sldId id="267" r:id="rId13"/>
     <p:sldId id="268" r:id="rId14"/>
-    <p:sldId id="269" r:id="rId15"/>
-    <p:sldId id="271" r:id="rId16"/>
+    <p:sldId id="272" r:id="rId15"/>
+    <p:sldId id="269" r:id="rId16"/>
+    <p:sldId id="271" r:id="rId17"/>
   </p:sldIdLst>
   <p:sldSz cx="12192000" cy="6858000"/>
   <p:notesSz cx="6858000" cy="9144000"/>
@@ -850,7 +851,7 @@
           <a:p>
             <a:fld id="{A1DFF12F-581A-4AAB-A638-3776A2ECA13C}" type="datetimeFigureOut">
               <a:rPr lang="ru-RU" smtClean="0"/>
-              <a:t>06.04.2025</a:t>
+              <a:t>19.04.2025</a:t>
             </a:fld>
             <a:endParaRPr lang="ru-RU"/>
           </a:p>
@@ -1101,7 +1102,7 @@
           <a:p>
             <a:fld id="{A1DFF12F-581A-4AAB-A638-3776A2ECA13C}" type="datetimeFigureOut">
               <a:rPr lang="ru-RU" smtClean="0"/>
-              <a:t>06.04.2025</a:t>
+              <a:t>19.04.2025</a:t>
             </a:fld>
             <a:endParaRPr lang="ru-RU"/>
           </a:p>
@@ -1415,7 +1416,7 @@
           <a:p>
             <a:fld id="{A1DFF12F-581A-4AAB-A638-3776A2ECA13C}" type="datetimeFigureOut">
               <a:rPr lang="ru-RU" smtClean="0"/>
-              <a:t>06.04.2025</a:t>
+              <a:t>19.04.2025</a:t>
             </a:fld>
             <a:endParaRPr lang="ru-RU"/>
           </a:p>
@@ -1742,7 +1743,7 @@
           <a:p>
             <a:fld id="{A1DFF12F-581A-4AAB-A638-3776A2ECA13C}" type="datetimeFigureOut">
               <a:rPr lang="ru-RU" smtClean="0"/>
-              <a:t>06.04.2025</a:t>
+              <a:t>19.04.2025</a:t>
             </a:fld>
             <a:endParaRPr lang="ru-RU"/>
           </a:p>
@@ -2056,7 +2057,7 @@
           <a:p>
             <a:fld id="{A1DFF12F-581A-4AAB-A638-3776A2ECA13C}" type="datetimeFigureOut">
               <a:rPr lang="ru-RU" smtClean="0"/>
-              <a:t>06.04.2025</a:t>
+              <a:t>19.04.2025</a:t>
             </a:fld>
             <a:endParaRPr lang="ru-RU"/>
           </a:p>
@@ -2443,7 +2444,7 @@
           <a:p>
             <a:fld id="{A1DFF12F-581A-4AAB-A638-3776A2ECA13C}" type="datetimeFigureOut">
               <a:rPr lang="ru-RU" smtClean="0"/>
-              <a:t>06.04.2025</a:t>
+              <a:t>19.04.2025</a:t>
             </a:fld>
             <a:endParaRPr lang="ru-RU"/>
           </a:p>
@@ -2613,7 +2614,7 @@
           <a:p>
             <a:fld id="{A1DFF12F-581A-4AAB-A638-3776A2ECA13C}" type="datetimeFigureOut">
               <a:rPr lang="ru-RU" smtClean="0"/>
-              <a:t>06.04.2025</a:t>
+              <a:t>19.04.2025</a:t>
             </a:fld>
             <a:endParaRPr lang="ru-RU"/>
           </a:p>
@@ -2793,7 +2794,7 @@
           <a:p>
             <a:fld id="{A1DFF12F-581A-4AAB-A638-3776A2ECA13C}" type="datetimeFigureOut">
               <a:rPr lang="ru-RU" smtClean="0"/>
-              <a:t>06.04.2025</a:t>
+              <a:t>19.04.2025</a:t>
             </a:fld>
             <a:endParaRPr lang="ru-RU"/>
           </a:p>
@@ -2969,7 +2970,7 @@
           <a:p>
             <a:fld id="{A1DFF12F-581A-4AAB-A638-3776A2ECA13C}" type="datetimeFigureOut">
               <a:rPr lang="ru-RU" smtClean="0"/>
-              <a:t>06.04.2025</a:t>
+              <a:t>19.04.2025</a:t>
             </a:fld>
             <a:endParaRPr lang="ru-RU"/>
           </a:p>
@@ -3216,7 +3217,7 @@
           <a:p>
             <a:fld id="{A1DFF12F-581A-4AAB-A638-3776A2ECA13C}" type="datetimeFigureOut">
               <a:rPr lang="ru-RU" smtClean="0"/>
-              <a:t>06.04.2025</a:t>
+              <a:t>19.04.2025</a:t>
             </a:fld>
             <a:endParaRPr lang="ru-RU"/>
           </a:p>
@@ -3448,7 +3449,7 @@
           <a:p>
             <a:fld id="{A1DFF12F-581A-4AAB-A638-3776A2ECA13C}" type="datetimeFigureOut">
               <a:rPr lang="ru-RU" smtClean="0"/>
-              <a:t>06.04.2025</a:t>
+              <a:t>19.04.2025</a:t>
             </a:fld>
             <a:endParaRPr lang="ru-RU"/>
           </a:p>
@@ -3822,7 +3823,7 @@
           <a:p>
             <a:fld id="{A1DFF12F-581A-4AAB-A638-3776A2ECA13C}" type="datetimeFigureOut">
               <a:rPr lang="ru-RU" smtClean="0"/>
-              <a:t>06.04.2025</a:t>
+              <a:t>19.04.2025</a:t>
             </a:fld>
             <a:endParaRPr lang="ru-RU"/>
           </a:p>
@@ -3945,7 +3946,7 @@
           <a:p>
             <a:fld id="{A1DFF12F-581A-4AAB-A638-3776A2ECA13C}" type="datetimeFigureOut">
               <a:rPr lang="ru-RU" smtClean="0"/>
-              <a:t>06.04.2025</a:t>
+              <a:t>19.04.2025</a:t>
             </a:fld>
             <a:endParaRPr lang="ru-RU"/>
           </a:p>
@@ -4040,7 +4041,7 @@
           <a:p>
             <a:fld id="{A1DFF12F-581A-4AAB-A638-3776A2ECA13C}" type="datetimeFigureOut">
               <a:rPr lang="ru-RU" smtClean="0"/>
-              <a:t>06.04.2025</a:t>
+              <a:t>19.04.2025</a:t>
             </a:fld>
             <a:endParaRPr lang="ru-RU"/>
           </a:p>
@@ -4295,7 +4296,7 @@
           <a:p>
             <a:fld id="{A1DFF12F-581A-4AAB-A638-3776A2ECA13C}" type="datetimeFigureOut">
               <a:rPr lang="ru-RU" smtClean="0"/>
-              <a:t>06.04.2025</a:t>
+              <a:t>19.04.2025</a:t>
             </a:fld>
             <a:endParaRPr lang="ru-RU"/>
           </a:p>
@@ -4558,7 +4559,7 @@
           <a:p>
             <a:fld id="{A1DFF12F-581A-4AAB-A638-3776A2ECA13C}" type="datetimeFigureOut">
               <a:rPr lang="ru-RU" smtClean="0"/>
-              <a:t>06.04.2025</a:t>
+              <a:t>19.04.2025</a:t>
             </a:fld>
             <a:endParaRPr lang="ru-RU"/>
           </a:p>
@@ -5303,7 +5304,7 @@
           <a:p>
             <a:fld id="{A1DFF12F-581A-4AAB-A638-3776A2ECA13C}" type="datetimeFigureOut">
               <a:rPr lang="ru-RU" smtClean="0"/>
-              <a:t>06.04.2025</a:t>
+              <a:t>19.04.2025</a:t>
             </a:fld>
             <a:endParaRPr lang="ru-RU"/>
           </a:p>
@@ -8301,12 +8302,47 @@
           </a:p>
         </p:txBody>
       </p:sp>
+      <p:sp>
+        <p:nvSpPr>
+          <p:cNvPr id="9" name="TextBox 8">
+            <a:extLst>
+              <a:ext uri="{FF2B5EF4-FFF2-40B4-BE49-F238E27FC236}">
+                <a16:creationId xmlns:a16="http://schemas.microsoft.com/office/drawing/2014/main" id="{17FBB275-92E8-40D3-B76D-9E345DD179BC}"/>
+              </a:ext>
+            </a:extLst>
+          </p:cNvPr>
+          <p:cNvSpPr txBox="1"/>
+          <p:nvPr/>
+        </p:nvSpPr>
+        <p:spPr>
+          <a:xfrm>
+            <a:off x="1637605" y="5625059"/>
+            <a:ext cx="2042547" cy="369332"/>
+          </a:xfrm>
+          <a:prstGeom prst="rect">
+            <a:avLst/>
+          </a:prstGeom>
+          <a:noFill/>
+        </p:spPr>
+        <p:txBody>
+          <a:bodyPr wrap="none" rtlCol="0">
+            <a:spAutoFit/>
+          </a:bodyPr>
+          <a:lstStyle/>
+          <a:p>
+            <a:r>
+              <a:rPr lang="ru-RU" dirty="0"/>
+              <a:t>До рефакторинга</a:t>
+            </a:r>
+          </a:p>
+        </p:txBody>
+      </p:sp>
       <p:pic>
         <p:nvPicPr>
-          <p:cNvPr id="4" name="Рисунок 3">
+          <p:cNvPr id="5" name="Рисунок 4">
             <a:extLst>
               <a:ext uri="{FF2B5EF4-FFF2-40B4-BE49-F238E27FC236}">
-                <a16:creationId xmlns:a16="http://schemas.microsoft.com/office/drawing/2014/main" id="{87E7456E-D822-4B21-A2A2-F7E1AB87AB5B}"/>
+                <a16:creationId xmlns:a16="http://schemas.microsoft.com/office/drawing/2014/main" id="{6230B387-8509-4CF5-9ED5-2E713F23EB5A}"/>
               </a:ext>
             </a:extLst>
           </p:cNvPr>
@@ -8323,14 +8359,236 @@
         </p:blipFill>
         <p:spPr>
           <a:xfrm>
-            <a:off x="509264" y="1723760"/>
-            <a:ext cx="4639322" cy="3791479"/>
+            <a:off x="5424008" y="1512720"/>
+            <a:ext cx="3728134" cy="3547552"/>
           </a:xfrm>
           <a:prstGeom prst="rect">
             <a:avLst/>
           </a:prstGeom>
         </p:spPr>
       </p:pic>
+      <p:grpSp>
+        <p:nvGrpSpPr>
+          <p:cNvPr id="14" name="Группа 13">
+            <a:extLst>
+              <a:ext uri="{FF2B5EF4-FFF2-40B4-BE49-F238E27FC236}">
+                <a16:creationId xmlns:a16="http://schemas.microsoft.com/office/drawing/2014/main" id="{0778E177-5401-47F0-B38C-B730BE1EE9CF}"/>
+              </a:ext>
+            </a:extLst>
+          </p:cNvPr>
+          <p:cNvGrpSpPr/>
+          <p:nvPr/>
+        </p:nvGrpSpPr>
+        <p:grpSpPr>
+          <a:xfrm>
+            <a:off x="1075175" y="1059072"/>
+            <a:ext cx="3381415" cy="4492564"/>
+            <a:chOff x="888744" y="99954"/>
+            <a:chExt cx="5207255" cy="6918384"/>
+          </a:xfrm>
+        </p:grpSpPr>
+        <p:pic>
+          <p:nvPicPr>
+            <p:cNvPr id="12" name="Рисунок 11">
+              <a:extLst>
+                <a:ext uri="{FF2B5EF4-FFF2-40B4-BE49-F238E27FC236}">
+                  <a16:creationId xmlns:a16="http://schemas.microsoft.com/office/drawing/2014/main" id="{11F30A97-6271-4074-9604-32FDD794DFF1}"/>
+                </a:ext>
+              </a:extLst>
+            </p:cNvPr>
+            <p:cNvPicPr>
+              <a:picLocks noChangeAspect="1"/>
+            </p:cNvPicPr>
+            <p:nvPr/>
+          </p:nvPicPr>
+          <p:blipFill>
+            <a:blip r:embed="rId3"/>
+            <a:stretch>
+              <a:fillRect/>
+            </a:stretch>
+          </p:blipFill>
+          <p:spPr>
+            <a:xfrm>
+              <a:off x="888744" y="99954"/>
+              <a:ext cx="5207255" cy="4921926"/>
+            </a:xfrm>
+            <a:prstGeom prst="rect">
+              <a:avLst/>
+            </a:prstGeom>
+          </p:spPr>
+        </p:pic>
+        <p:pic>
+          <p:nvPicPr>
+            <p:cNvPr id="13" name="Рисунок 12">
+              <a:extLst>
+                <a:ext uri="{FF2B5EF4-FFF2-40B4-BE49-F238E27FC236}">
+                  <a16:creationId xmlns:a16="http://schemas.microsoft.com/office/drawing/2014/main" id="{3C0467E0-A15F-434D-959C-4F6F736B12A6}"/>
+                </a:ext>
+              </a:extLst>
+            </p:cNvPr>
+            <p:cNvPicPr>
+              <a:picLocks noChangeAspect="1"/>
+            </p:cNvPicPr>
+            <p:nvPr/>
+          </p:nvPicPr>
+          <p:blipFill>
+            <a:blip r:embed="rId4"/>
+            <a:stretch>
+              <a:fillRect/>
+            </a:stretch>
+          </p:blipFill>
+          <p:spPr>
+            <a:xfrm>
+              <a:off x="888744" y="5021880"/>
+              <a:ext cx="5207255" cy="1996458"/>
+            </a:xfrm>
+            <a:prstGeom prst="rect">
+              <a:avLst/>
+            </a:prstGeom>
+          </p:spPr>
+        </p:pic>
+      </p:grpSp>
+      <p:sp>
+        <p:nvSpPr>
+          <p:cNvPr id="15" name="TextBox 14">
+            <a:extLst>
+              <a:ext uri="{FF2B5EF4-FFF2-40B4-BE49-F238E27FC236}">
+                <a16:creationId xmlns:a16="http://schemas.microsoft.com/office/drawing/2014/main" id="{350D3E63-250A-4B74-AEB0-A247DDB26236}"/>
+              </a:ext>
+            </a:extLst>
+          </p:cNvPr>
+          <p:cNvSpPr txBox="1"/>
+          <p:nvPr/>
+        </p:nvSpPr>
+        <p:spPr>
+          <a:xfrm>
+            <a:off x="6155283" y="5108191"/>
+            <a:ext cx="2401619" cy="369332"/>
+          </a:xfrm>
+          <a:prstGeom prst="rect">
+            <a:avLst/>
+          </a:prstGeom>
+          <a:noFill/>
+        </p:spPr>
+        <p:txBody>
+          <a:bodyPr wrap="none" rtlCol="0">
+            <a:spAutoFit/>
+          </a:bodyPr>
+          <a:lstStyle/>
+          <a:p>
+            <a:r>
+              <a:rPr lang="ru-RU" dirty="0"/>
+              <a:t>После рефакторинга</a:t>
+            </a:r>
+          </a:p>
+        </p:txBody>
+      </p:sp>
+    </p:spTree>
+    <p:extLst>
+      <p:ext uri="{BB962C8B-B14F-4D97-AF65-F5344CB8AC3E}">
+        <p14:creationId xmlns:p14="http://schemas.microsoft.com/office/powerpoint/2010/main" val="1348995003"/>
+      </p:ext>
+    </p:extLst>
+  </p:cSld>
+  <p:clrMapOvr>
+    <a:masterClrMapping/>
+  </p:clrMapOvr>
+  <p:transition spd="slow">
+    <p:wipe/>
+  </p:transition>
+</p:sld>
+</file>
+
+<file path=ppt/slides/slide14.xml><?xml version="1.0" encoding="utf-8"?>
+<p:sld xmlns:a="http://schemas.openxmlformats.org/drawingml/2006/main" xmlns:r="http://schemas.openxmlformats.org/officeDocument/2006/relationships" xmlns:p="http://schemas.openxmlformats.org/presentationml/2006/main">
+  <p:cSld>
+    <p:spTree>
+      <p:nvGrpSpPr>
+        <p:cNvPr id="1" name=""/>
+        <p:cNvGrpSpPr/>
+        <p:nvPr/>
+      </p:nvGrpSpPr>
+      <p:grpSpPr>
+        <a:xfrm>
+          <a:off x="0" y="0"/>
+          <a:ext cx="0" cy="0"/>
+          <a:chOff x="0" y="0"/>
+          <a:chExt cx="0" cy="0"/>
+        </a:xfrm>
+      </p:grpSpPr>
+      <p:sp>
+        <p:nvSpPr>
+          <p:cNvPr id="2" name="Заголовок 1">
+            <a:extLst>
+              <a:ext uri="{FF2B5EF4-FFF2-40B4-BE49-F238E27FC236}">
+                <a16:creationId xmlns:a16="http://schemas.microsoft.com/office/drawing/2014/main" id="{78432728-E543-4DF3-9CCA-940F4C27EB41}"/>
+              </a:ext>
+            </a:extLst>
+          </p:cNvPr>
+          <p:cNvSpPr>
+            <a:spLocks noGrp="1"/>
+          </p:cNvSpPr>
+          <p:nvPr>
+            <p:ph type="title"/>
+          </p:nvPr>
+        </p:nvSpPr>
+        <p:spPr>
+          <a:xfrm>
+            <a:off x="677334" y="94588"/>
+            <a:ext cx="8596668" cy="722050"/>
+          </a:xfrm>
+        </p:spPr>
+        <p:txBody>
+          <a:bodyPr>
+            <a:noAutofit/>
+          </a:bodyPr>
+          <a:lstStyle/>
+          <a:p>
+            <a:r>
+              <a:rPr lang="ru-RU" sz="2800" dirty="0"/>
+              <a:t>Рефакторинг и оптимизация программного кода</a:t>
+            </a:r>
+          </a:p>
+        </p:txBody>
+      </p:sp>
+      <p:sp>
+        <p:nvSpPr>
+          <p:cNvPr id="3" name="Объект 2">
+            <a:extLst>
+              <a:ext uri="{FF2B5EF4-FFF2-40B4-BE49-F238E27FC236}">
+                <a16:creationId xmlns:a16="http://schemas.microsoft.com/office/drawing/2014/main" id="{560C713E-3557-44D9-B417-97A2FE7CD727}"/>
+              </a:ext>
+            </a:extLst>
+          </p:cNvPr>
+          <p:cNvSpPr>
+            <a:spLocks noGrp="1"/>
+          </p:cNvSpPr>
+          <p:nvPr>
+            <p:ph idx="1"/>
+          </p:nvPr>
+        </p:nvSpPr>
+        <p:spPr>
+          <a:xfrm>
+            <a:off x="677334" y="1095469"/>
+            <a:ext cx="8596668" cy="5598294"/>
+          </a:xfrm>
+        </p:spPr>
+        <p:txBody>
+          <a:bodyPr>
+            <a:normAutofit/>
+          </a:bodyPr>
+          <a:lstStyle/>
+          <a:p>
+            <a:pPr marL="0" indent="0">
+              <a:lnSpc>
+                <a:spcPct val="110000"/>
+              </a:lnSpc>
+              <a:buNone/>
+            </a:pPr>
+            <a:endParaRPr lang="en-US" sz="2000" dirty="0"/>
+          </a:p>
+        </p:txBody>
+      </p:sp>
       <p:grpSp>
         <p:nvGrpSpPr>
           <p:cNvPr id="11" name="Группа 10">
@@ -8345,8 +8603,8 @@
         </p:nvGrpSpPr>
         <p:grpSpPr>
           <a:xfrm>
-            <a:off x="5438352" y="2028560"/>
-            <a:ext cx="6058747" cy="3063531"/>
+            <a:off x="937185" y="1167426"/>
+            <a:ext cx="8233448" cy="4163142"/>
             <a:chOff x="5771727" y="2028560"/>
             <a:chExt cx="6058747" cy="3063531"/>
           </a:xfrm>
@@ -8366,7 +8624,7 @@
             <p:nvPr/>
           </p:nvPicPr>
           <p:blipFill>
-            <a:blip r:embed="rId3"/>
+            <a:blip r:embed="rId2"/>
             <a:stretch>
               <a:fillRect/>
             </a:stretch>
@@ -8396,7 +8654,7 @@
             <p:nvPr/>
           </p:nvPicPr>
           <p:blipFill>
-            <a:blip r:embed="rId4"/>
+            <a:blip r:embed="rId3"/>
             <a:stretch>
               <a:fillRect/>
             </a:stretch>
@@ -8426,7 +8684,7 @@
             <p:nvPr/>
           </p:nvPicPr>
           <p:blipFill>
-            <a:blip r:embed="rId5"/>
+            <a:blip r:embed="rId4"/>
             <a:stretch>
               <a:fillRect/>
             </a:stretch>
@@ -8444,41 +8702,6 @@
       </p:grpSp>
       <p:sp>
         <p:nvSpPr>
-          <p:cNvPr id="9" name="TextBox 8">
-            <a:extLst>
-              <a:ext uri="{FF2B5EF4-FFF2-40B4-BE49-F238E27FC236}">
-                <a16:creationId xmlns:a16="http://schemas.microsoft.com/office/drawing/2014/main" id="{17FBB275-92E8-40D3-B76D-9E345DD179BC}"/>
-              </a:ext>
-            </a:extLst>
-          </p:cNvPr>
-          <p:cNvSpPr txBox="1"/>
-          <p:nvPr/>
-        </p:nvSpPr>
-        <p:spPr>
-          <a:xfrm>
-            <a:off x="1539950" y="5515239"/>
-            <a:ext cx="2577950" cy="369332"/>
-          </a:xfrm>
-          <a:prstGeom prst="rect">
-            <a:avLst/>
-          </a:prstGeom>
-          <a:noFill/>
-        </p:spPr>
-        <p:txBody>
-          <a:bodyPr wrap="none" rtlCol="0">
-            <a:spAutoFit/>
-          </a:bodyPr>
-          <a:lstStyle/>
-          <a:p>
-            <a:r>
-              <a:rPr lang="ru-RU" dirty="0"/>
-              <a:t>Пример рефакторинга</a:t>
-            </a:r>
-          </a:p>
-        </p:txBody>
-      </p:sp>
-      <p:sp>
-        <p:nvSpPr>
           <p:cNvPr id="10" name="TextBox 9">
             <a:extLst>
               <a:ext uri="{FF2B5EF4-FFF2-40B4-BE49-F238E27FC236}">
@@ -8491,7 +8714,7 @@
         </p:nvSpPr>
         <p:spPr>
           <a:xfrm>
-            <a:off x="7248388" y="5092091"/>
+            <a:off x="3825046" y="5458167"/>
             <a:ext cx="2457724" cy="369332"/>
           </a:xfrm>
           <a:prstGeom prst="rect">
@@ -8515,7 +8738,7 @@
     </p:spTree>
     <p:extLst>
       <p:ext uri="{BB962C8B-B14F-4D97-AF65-F5344CB8AC3E}">
-        <p14:creationId xmlns:p14="http://schemas.microsoft.com/office/powerpoint/2010/main" val="1348995003"/>
+        <p14:creationId xmlns:p14="http://schemas.microsoft.com/office/powerpoint/2010/main" val="2301420503"/>
       </p:ext>
     </p:extLst>
   </p:cSld>
@@ -8528,7 +8751,7 @@
 </p:sld>
 </file>
 
-<file path=ppt/slides/slide14.xml><?xml version="1.0" encoding="utf-8"?>
+<file path=ppt/slides/slide15.xml><?xml version="1.0" encoding="utf-8"?>
 <p:sld xmlns:a="http://schemas.openxmlformats.org/drawingml/2006/main" xmlns:r="http://schemas.openxmlformats.org/officeDocument/2006/relationships" xmlns:p="http://schemas.openxmlformats.org/presentationml/2006/main">
   <p:cSld>
     <p:spTree>
@@ -8726,7 +8949,7 @@
 </p:sld>
 </file>
 
-<file path=ppt/slides/slide15.xml><?xml version="1.0" encoding="utf-8"?>
+<file path=ppt/slides/slide16.xml><?xml version="1.0" encoding="utf-8"?>
 <p:sld xmlns:a="http://schemas.openxmlformats.org/drawingml/2006/main" xmlns:r="http://schemas.openxmlformats.org/officeDocument/2006/relationships" xmlns:p="http://schemas.openxmlformats.org/presentationml/2006/main">
   <p:cSld>
     <p:spTree>
@@ -9325,7 +9548,7 @@
           <a:graphicData uri="http://schemas.openxmlformats.org/presentationml/2006/ole">
             <mc:AlternateContent xmlns:mc="http://schemas.openxmlformats.org/markup-compatibility/2006">
               <mc:Choice xmlns:v="urn:schemas-microsoft-com:vml" Requires="v">
-                <p:oleObj spid="_x0000_s1035" name="Visio" r:id="rId3" imgW="11410861" imgH="10267812" progId="Visio.Drawing.15">
+                <p:oleObj spid="_x0000_s1036" name="Visio" r:id="rId3" imgW="11410861" imgH="10267812" progId="Visio.Drawing.15">
                   <p:embed/>
                 </p:oleObj>
               </mc:Choice>

--- a/Отчет ПМ 01.pptx
+++ b/Отчет ПМ 01.pptx
@@ -5959,7 +5959,7 @@
             <a:pPr algn="l"/>
             <a:r>
               <a:rPr lang="ru-RU" dirty="0"/>
-              <a:t>Седов Алексей Сергеевич</a:t>
+              <a:t>Калинин Арсений Олегович</a:t>
             </a:r>
           </a:p>
           <a:p>
@@ -9548,7 +9548,7 @@
           <a:graphicData uri="http://schemas.openxmlformats.org/presentationml/2006/ole">
             <mc:AlternateContent xmlns:mc="http://schemas.openxmlformats.org/markup-compatibility/2006">
               <mc:Choice xmlns:v="urn:schemas-microsoft-com:vml" Requires="v">
-                <p:oleObj spid="_x0000_s1036" name="Visio" r:id="rId3" imgW="11410861" imgH="10267812" progId="Visio.Drawing.15">
+                <p:oleObj spid="_x0000_s1037" name="Visio" r:id="rId3" imgW="11410861" imgH="10267812" progId="Visio.Drawing.15">
                   <p:embed/>
                 </p:oleObj>
               </mc:Choice>
